--- a/unbalance/表紙.pptx
+++ b/unbalance/表紙.pptx
@@ -3309,8 +3309,8 @@
         </p:nvSpPr>
         <p:spPr>
           <a:xfrm>
-            <a:off x="257417" y="1248310"/>
-            <a:ext cx="4815959" cy="1221974"/>
+            <a:off x="0" y="1248310"/>
+            <a:ext cx="5327649" cy="1221974"/>
           </a:xfrm>
           <a:prstGeom prst="rect">
             <a:avLst/>
@@ -3496,8 +3496,8 @@
         </p:nvSpPr>
         <p:spPr>
           <a:xfrm>
-            <a:off x="753701" y="2914973"/>
-            <a:ext cx="4073210" cy="767387"/>
+            <a:off x="0" y="2914973"/>
+            <a:ext cx="5327649" cy="767387"/>
           </a:xfrm>
           <a:prstGeom prst="rect">
             <a:avLst/>
